--- a/inst/readability_logo/r_readability.pptx
+++ b/inst/readability_logo/r_readability.pptx
@@ -243,7 +243,7 @@
           <a:p>
             <a:fld id="{DC543128-6B2F-4E1B-8CDA-E6AA3E44DC33}" type="datetimeFigureOut">
               <a:rPr lang="en-US" smtClean="0"/>
-              <a:t>3/8/2015</a:t>
+              <a:t>8/9/2015</a:t>
             </a:fld>
             <a:endParaRPr lang="en-US"/>
           </a:p>
@@ -413,7 +413,7 @@
           <a:p>
             <a:fld id="{DC543128-6B2F-4E1B-8CDA-E6AA3E44DC33}" type="datetimeFigureOut">
               <a:rPr lang="en-US" smtClean="0"/>
-              <a:t>3/8/2015</a:t>
+              <a:t>8/9/2015</a:t>
             </a:fld>
             <a:endParaRPr lang="en-US"/>
           </a:p>
@@ -593,7 +593,7 @@
           <a:p>
             <a:fld id="{DC543128-6B2F-4E1B-8CDA-E6AA3E44DC33}" type="datetimeFigureOut">
               <a:rPr lang="en-US" smtClean="0"/>
-              <a:t>3/8/2015</a:t>
+              <a:t>8/9/2015</a:t>
             </a:fld>
             <a:endParaRPr lang="en-US"/>
           </a:p>
@@ -763,7 +763,7 @@
           <a:p>
             <a:fld id="{DC543128-6B2F-4E1B-8CDA-E6AA3E44DC33}" type="datetimeFigureOut">
               <a:rPr lang="en-US" smtClean="0"/>
-              <a:t>3/8/2015</a:t>
+              <a:t>8/9/2015</a:t>
             </a:fld>
             <a:endParaRPr lang="en-US"/>
           </a:p>
@@ -1009,7 +1009,7 @@
           <a:p>
             <a:fld id="{DC543128-6B2F-4E1B-8CDA-E6AA3E44DC33}" type="datetimeFigureOut">
               <a:rPr lang="en-US" smtClean="0"/>
-              <a:t>3/8/2015</a:t>
+              <a:t>8/9/2015</a:t>
             </a:fld>
             <a:endParaRPr lang="en-US"/>
           </a:p>
@@ -1241,7 +1241,7 @@
           <a:p>
             <a:fld id="{DC543128-6B2F-4E1B-8CDA-E6AA3E44DC33}" type="datetimeFigureOut">
               <a:rPr lang="en-US" smtClean="0"/>
-              <a:t>3/8/2015</a:t>
+              <a:t>8/9/2015</a:t>
             </a:fld>
             <a:endParaRPr lang="en-US"/>
           </a:p>
@@ -1608,7 +1608,7 @@
           <a:p>
             <a:fld id="{DC543128-6B2F-4E1B-8CDA-E6AA3E44DC33}" type="datetimeFigureOut">
               <a:rPr lang="en-US" smtClean="0"/>
-              <a:t>3/8/2015</a:t>
+              <a:t>8/9/2015</a:t>
             </a:fld>
             <a:endParaRPr lang="en-US"/>
           </a:p>
@@ -1726,7 +1726,7 @@
           <a:p>
             <a:fld id="{DC543128-6B2F-4E1B-8CDA-E6AA3E44DC33}" type="datetimeFigureOut">
               <a:rPr lang="en-US" smtClean="0"/>
-              <a:t>3/8/2015</a:t>
+              <a:t>8/9/2015</a:t>
             </a:fld>
             <a:endParaRPr lang="en-US"/>
           </a:p>
@@ -1821,7 +1821,7 @@
           <a:p>
             <a:fld id="{DC543128-6B2F-4E1B-8CDA-E6AA3E44DC33}" type="datetimeFigureOut">
               <a:rPr lang="en-US" smtClean="0"/>
-              <a:t>3/8/2015</a:t>
+              <a:t>8/9/2015</a:t>
             </a:fld>
             <a:endParaRPr lang="en-US"/>
           </a:p>
@@ -2098,7 +2098,7 @@
           <a:p>
             <a:fld id="{DC543128-6B2F-4E1B-8CDA-E6AA3E44DC33}" type="datetimeFigureOut">
               <a:rPr lang="en-US" smtClean="0"/>
-              <a:t>3/8/2015</a:t>
+              <a:t>8/9/2015</a:t>
             </a:fld>
             <a:endParaRPr lang="en-US"/>
           </a:p>
@@ -2351,7 +2351,7 @@
           <a:p>
             <a:fld id="{DC543128-6B2F-4E1B-8CDA-E6AA3E44DC33}" type="datetimeFigureOut">
               <a:rPr lang="en-US" smtClean="0"/>
-              <a:t>3/8/2015</a:t>
+              <a:t>8/9/2015</a:t>
             </a:fld>
             <a:endParaRPr lang="en-US"/>
           </a:p>
@@ -2564,7 +2564,7 @@
           <a:p>
             <a:fld id="{DC543128-6B2F-4E1B-8CDA-E6AA3E44DC33}" type="datetimeFigureOut">
               <a:rPr lang="en-US" smtClean="0"/>
-              <a:t>3/8/2015</a:t>
+              <a:t>8/9/2015</a:t>
             </a:fld>
             <a:endParaRPr lang="en-US"/>
           </a:p>
@@ -2969,6 +2969,54 @@
           <a:chExt cx="0" cy="0"/>
         </a:xfrm>
       </p:grpSpPr>
+      <p:pic>
+        <p:nvPicPr>
+          <p:cNvPr id="1030" name="Picture 6" descr="http://baywoodselfstorageboatstalls.com/communities/7/000/001/347/467/images/2678055.png"/>
+          <p:cNvPicPr>
+            <a:picLocks noChangeAspect="1" noChangeArrowheads="1"/>
+          </p:cNvPicPr>
+          <p:nvPr/>
+        </p:nvPicPr>
+        <p:blipFill>
+          <a:blip r:embed="rId2">
+            <a:duotone>
+              <a:schemeClr val="accent6">
+                <a:shade val="45000"/>
+                <a:satMod val="135000"/>
+              </a:schemeClr>
+              <a:prstClr val="white"/>
+            </a:duotone>
+            <a:extLst>
+              <a:ext uri="{28A0092B-C50C-407E-A947-70E740481C1C}">
+                <a14:useLocalDpi xmlns:a14="http://schemas.microsoft.com/office/drawing/2010/main" val="0"/>
+              </a:ext>
+            </a:extLst>
+          </a:blip>
+          <a:srcRect/>
+          <a:stretch>
+            <a:fillRect/>
+          </a:stretch>
+        </p:blipFill>
+        <p:spPr bwMode="auto">
+          <a:xfrm>
+            <a:off x="1664779" y="1754449"/>
+            <a:ext cx="2099353" cy="2099353"/>
+          </a:xfrm>
+          <a:prstGeom prst="rect">
+            <a:avLst/>
+          </a:prstGeom>
+          <a:noFill/>
+          <a:extLst>
+            <a:ext uri="{909E8E84-426E-40DD-AFC4-6F175D3DCCD1}">
+              <a14:hiddenFill xmlns:a14="http://schemas.microsoft.com/office/drawing/2010/main">
+                <a:solidFill>
+                  <a:srgbClr val="FFFFFF"/>
+                </a:solidFill>
+              </a14:hiddenFill>
+            </a:ext>
+          </a:extLst>
+        </p:spPr>
+      </p:pic>
     </p:spTree>
     <p:extLst>
       <p:ext uri="{BB962C8B-B14F-4D97-AF65-F5344CB8AC3E}">
